--- a/figures.pptx
+++ b/figures.pptx
@@ -3329,46 +3329,6 @@
       </p:grpSpPr>
       <p:sp>
         <p:nvSpPr>
-          <p:cNvPr id="8" name="Textfeld 7">
-            <a:extLst>
-              <a:ext uri="{FF2B5EF4-FFF2-40B4-BE49-F238E27FC236}">
-                <a16:creationId xmlns:a16="http://schemas.microsoft.com/office/drawing/2014/main" id="{421FE135-9865-4A6B-BBA2-353B171B13E1}"/>
-              </a:ext>
-            </a:extLst>
-          </p:cNvPr>
-          <p:cNvSpPr txBox="1"/>
-          <p:nvPr/>
-        </p:nvSpPr>
-        <p:spPr>
-          <a:xfrm>
-            <a:off x="1680252" y="1682511"/>
-            <a:ext cx="2953436" cy="769441"/>
-          </a:xfrm>
-          <a:prstGeom prst="rect">
-            <a:avLst/>
-          </a:prstGeom>
-          <a:noFill/>
-        </p:spPr>
-        <p:txBody>
-          <a:bodyPr wrap="square" rtlCol="0">
-            <a:spAutoFit/>
-          </a:bodyPr>
-          <a:lstStyle/>
-          <a:p>
-            <a:pPr algn="ctr"/>
-            <a:r>
-              <a:rPr lang="de-DE" sz="4400" b="1" dirty="0">
-                <a:latin typeface="CMU Sans Serif" panose="02000603000000000000" pitchFamily="2" charset="0"/>
-                <a:ea typeface="CMU Sans Serif" panose="02000603000000000000" pitchFamily="2" charset="0"/>
-                <a:cs typeface="CMU Sans Serif" panose="02000603000000000000" pitchFamily="2" charset="0"/>
-              </a:rPr>
-              <a:t>R.MFIV</a:t>
-            </a:r>
-          </a:p>
-        </p:txBody>
-      </p:sp>
-      <p:sp>
-        <p:nvSpPr>
           <p:cNvPr id="9" name="Sechseck 8">
             <a:extLst>
               <a:ext uri="{FF2B5EF4-FFF2-40B4-BE49-F238E27FC236}">
@@ -3387,7 +3347,9 @@
           <a:prstGeom prst="hexagon">
             <a:avLst/>
           </a:prstGeom>
-          <a:noFill/>
+          <a:solidFill>
+            <a:schemeClr val="bg1"/>
+          </a:solidFill>
           <a:ln w="76200">
             <a:solidFill>
               <a:schemeClr val="tx1"/>
@@ -3416,6 +3378,46 @@
           <a:p>
             <a:pPr algn="ctr"/>
             <a:endParaRPr lang="de-DE"/>
+          </a:p>
+        </p:txBody>
+      </p:sp>
+      <p:sp>
+        <p:nvSpPr>
+          <p:cNvPr id="8" name="Textfeld 7">
+            <a:extLst>
+              <a:ext uri="{FF2B5EF4-FFF2-40B4-BE49-F238E27FC236}">
+                <a16:creationId xmlns:a16="http://schemas.microsoft.com/office/drawing/2014/main" id="{421FE135-9865-4A6B-BBA2-353B171B13E1}"/>
+              </a:ext>
+            </a:extLst>
+          </p:cNvPr>
+          <p:cNvSpPr txBox="1"/>
+          <p:nvPr/>
+        </p:nvSpPr>
+        <p:spPr>
+          <a:xfrm>
+            <a:off x="1680252" y="1682511"/>
+            <a:ext cx="2953436" cy="769441"/>
+          </a:xfrm>
+          <a:prstGeom prst="rect">
+            <a:avLst/>
+          </a:prstGeom>
+          <a:noFill/>
+        </p:spPr>
+        <p:txBody>
+          <a:bodyPr wrap="square" rtlCol="0">
+            <a:spAutoFit/>
+          </a:bodyPr>
+          <a:lstStyle/>
+          <a:p>
+            <a:pPr algn="ctr"/>
+            <a:r>
+              <a:rPr lang="de-DE" sz="4400" b="1" dirty="0">
+                <a:latin typeface="CMU Sans Serif" panose="02000603000000000000" pitchFamily="2" charset="0"/>
+                <a:ea typeface="CMU Sans Serif" panose="02000603000000000000" pitchFamily="2" charset="0"/>
+                <a:cs typeface="CMU Sans Serif" panose="02000603000000000000" pitchFamily="2" charset="0"/>
+              </a:rPr>
+              <a:t>R.MFIV</a:t>
+            </a:r>
           </a:p>
         </p:txBody>
       </p:sp>
@@ -3619,10 +3621,10 @@
       </p:grpSpPr>
       <p:pic>
         <p:nvPicPr>
-          <p:cNvPr id="5" name="Grafik 4">
-            <a:extLst>
-              <a:ext uri="{FF2B5EF4-FFF2-40B4-BE49-F238E27FC236}">
-                <a16:creationId xmlns:a16="http://schemas.microsoft.com/office/drawing/2014/main" id="{49DC70F0-E057-4CEC-AF5C-33DF5BAF6905}"/>
+          <p:cNvPr id="3" name="Grafik 2">
+            <a:extLst>
+              <a:ext uri="{FF2B5EF4-FFF2-40B4-BE49-F238E27FC236}">
+                <a16:creationId xmlns:a16="http://schemas.microsoft.com/office/drawing/2014/main" id="{1CD693BD-51E8-4678-94F4-A845EE1F928A}"/>
               </a:ext>
             </a:extLst>
           </p:cNvPr>
@@ -3648,8 +3650,8 @@
         </p:blipFill>
         <p:spPr>
           <a:xfrm>
-            <a:off x="1815553" y="698501"/>
-            <a:ext cx="1800000" cy="1537765"/>
+            <a:off x="4131647" y="676145"/>
+            <a:ext cx="1800000" cy="1560121"/>
           </a:xfrm>
           <a:prstGeom prst="rect">
             <a:avLst/>
